--- a/Presentation.pptx
+++ b/Presentation.pptx
@@ -3851,7 +3851,7 @@
           <a:p>
             <a:r>
               <a:rPr lang="en-GB" dirty="0"/>
-              <a:t>The effectiveness of caching for content delivery within vehicle to vehicle networks</a:t>
+              <a:t>The effectiveness of caching for content delivery within vehicle to vehicle networks.</a:t>
             </a:r>
           </a:p>
         </p:txBody>
@@ -4977,7 +4977,7 @@
             </a:pPr>
             <a:r>
               <a:rPr lang="en-GB" dirty="0"/>
-              <a:t>VANETs further existing research into mobile ad-Hoc networks (MANETs), but differ in the areas of topology, mobility, and the available resources.</a:t>
+              <a:t>VANETs further existing research into mobile ad-hoc networks (MANETs), but differ in the areas of topology, mobility, and the available resources.</a:t>
             </a:r>
           </a:p>
           <a:p>
@@ -5310,7 +5310,7 @@
           </a:p>
           <a:p>
             <a:r>
-              <a:rPr lang="en-GB" dirty="0"/>
+              <a:rPr lang="en-GB" b="1" dirty="0"/>
               <a:t>Applications likely to benefit most are those that often exchange medium amounts of non critical data.</a:t>
             </a:r>
           </a:p>
@@ -5397,12 +5397,14 @@
           </a:xfrm>
         </p:spPr>
         <p:txBody>
-          <a:bodyPr/>
+          <a:bodyPr>
+            <a:normAutofit fontScale="92500" lnSpcReduction="20000"/>
+          </a:bodyPr>
           <a:lstStyle/>
           <a:p>
             <a:r>
               <a:rPr lang="en-GB" dirty="0"/>
-              <a:t>I Implemented vehicle to vehicle content delivery within a network of vehicles. Then I added caching to the content distribution network. Then I analysed the effects in three different scenarios: rural, urban, and highway.</a:t>
+              <a:t>I Implemented vehicle to vehicle content delivery within a network of vehicles, then I added caching to the content distribution network. Finally I analysed the effects in three different scenarios: rural, urban, and highway.</a:t>
             </a:r>
           </a:p>
           <a:p>
@@ -5439,6 +5441,15 @@
             <a:r>
               <a:rPr lang="en-GB" dirty="0"/>
               <a:t>- Vehicles who receive requests attempt to reply with the requested item</a:t>
+            </a:r>
+          </a:p>
+          <a:p>
+            <a:endParaRPr lang="en-GB" dirty="0"/>
+          </a:p>
+          <a:p>
+            <a:r>
+              <a:rPr lang="en-GB" dirty="0"/>
+              <a:t>(more in the demo)</a:t>
             </a:r>
           </a:p>
         </p:txBody>
